--- a/slides_final/slide3.pptx
+++ b/slides_final/slide3.pptx
@@ -12,6 +12,13 @@
     <p:sldId id="260" r:id="rId6"/>
     <p:sldId id="261" r:id="rId7"/>
     <p:sldId id="262" r:id="rId8"/>
+    <p:sldId id="263" r:id="rId9"/>
+    <p:sldId id="264" r:id="rId10"/>
+    <p:sldId id="265" r:id="rId11"/>
+    <p:sldId id="266" r:id="rId12"/>
+    <p:sldId id="267" r:id="rId13"/>
+    <p:sldId id="268" r:id="rId14"/>
+    <p:sldId id="269" r:id="rId15"/>
   </p:sldIdLst>
   <p:sldSz cx="12192000" cy="6858000"/>
   <p:notesSz cx="6858000" cy="9144000"/>
@@ -4028,7 +4035,7 @@
             </a:pPr>
             <a:r>
               <a:rPr/>
-              <a:t>24</a:t>
+              <a:t>27</a:t>
             </a:r>
             <a:r>
               <a:rPr/>
@@ -4049,6 +4056,448 @@
           </a:p>
         </p:txBody>
       </p:sp>
+    </p:spTree>
+  </p:cSld>
+</p:sld>
+</file>
+
+<file path=ppt/slides/slide10.xml><?xml version="1.0" encoding="utf-8"?>
+<p:sld xmlns:a="http://schemas.openxmlformats.org/drawingml/2006/main" xmlns:r="http://schemas.openxmlformats.org/officeDocument/2006/relationships" xmlns:p="http://schemas.openxmlformats.org/presentationml/2006/main">
+  <p:cSld>
+    <p:spTree>
+      <p:nvGrpSpPr>
+        <p:cNvPr id="1" name=""/>
+        <p:cNvGrpSpPr/>
+        <p:nvPr/>
+      </p:nvGrpSpPr>
+      <p:grpSpPr>
+        <a:xfrm>
+          <a:off x="0" y="0"/>
+          <a:ext cx="0" cy="0"/>
+          <a:chOff x="0" y="0"/>
+          <a:chExt cx="0" cy="0"/>
+        </a:xfrm>
+      </p:grpSpPr>
+      <p:pic>
+        <p:nvPicPr>
+          <p:cNvPr descr="img/github_token_2.png" id="0" name="Picture 1"/>
+          <p:cNvPicPr>
+            <a:picLocks noGrp="1" noChangeAspect="1"/>
+          </p:cNvPicPr>
+          <p:nvPr/>
+        </p:nvPicPr>
+        <p:blipFill>
+          <a:blip r:embed="rId2"/>
+          <a:stretch>
+            <a:fillRect/>
+          </a:stretch>
+        </p:blipFill>
+        <p:spPr bwMode="auto">
+          <a:xfrm>
+            <a:off x="2374900" y="2336800"/>
+            <a:ext cx="7416800" cy="3632200"/>
+          </a:xfrm>
+          <a:prstGeom prst="rect">
+            <a:avLst/>
+          </a:prstGeom>
+          <a:noFill/>
+          <a:ln w="9525">
+            <a:noFill/>
+            <a:headEnd/>
+            <a:tailEnd/>
+          </a:ln>
+        </p:spPr>
+      </p:pic>
+    </p:spTree>
+  </p:cSld>
+</p:sld>
+</file>
+
+<file path=ppt/slides/slide11.xml><?xml version="1.0" encoding="utf-8"?>
+<p:sld xmlns:a="http://schemas.openxmlformats.org/drawingml/2006/main" xmlns:r="http://schemas.openxmlformats.org/officeDocument/2006/relationships" xmlns:p="http://schemas.openxmlformats.org/presentationml/2006/main">
+  <p:cSld>
+    <p:spTree>
+      <p:nvGrpSpPr>
+        <p:cNvPr id="1" name=""/>
+        <p:cNvGrpSpPr/>
+        <p:nvPr/>
+      </p:nvGrpSpPr>
+      <p:grpSpPr>
+        <a:xfrm>
+          <a:off x="0" y="0"/>
+          <a:ext cx="0" cy="0"/>
+          <a:chOff x="0" y="0"/>
+          <a:chExt cx="0" cy="0"/>
+        </a:xfrm>
+      </p:grpSpPr>
+      <p:sp>
+        <p:nvSpPr>
+          <p:cNvPr id="3" name="Espaço reservado para conteúdo 2"/>
+          <p:cNvSpPr>
+            <a:spLocks noGrp="1"/>
+          </p:cNvSpPr>
+          <p:nvPr>
+            <p:ph idx="1"/>
+          </p:nvPr>
+        </p:nvSpPr>
+        <p:spPr/>
+        <p:txBody>
+          <a:bodyPr/>
+          <a:lstStyle/>
+          <a:p>
+            <a:pPr lvl="0" marL="0" indent="0">
+              <a:buNone/>
+            </a:pPr>
+            <a:r>
+              <a:rPr b="1"/>
+              <a:t>O token deve ser copiado/guardado com muito cuidado e por favor não deixar deixá-lo público.</a:t>
+            </a:r>
+          </a:p>
+        </p:txBody>
+      </p:sp>
+    </p:spTree>
+  </p:cSld>
+</p:sld>
+</file>
+
+<file path=ppt/slides/slide12.xml><?xml version="1.0" encoding="utf-8"?>
+<p:sld xmlns:a="http://schemas.openxmlformats.org/drawingml/2006/main" xmlns:r="http://schemas.openxmlformats.org/officeDocument/2006/relationships" xmlns:p="http://schemas.openxmlformats.org/presentationml/2006/main">
+  <p:cSld>
+    <p:spTree>
+      <p:nvGrpSpPr>
+        <p:cNvPr id="1" name=""/>
+        <p:cNvGrpSpPr/>
+        <p:nvPr/>
+      </p:nvGrpSpPr>
+      <p:grpSpPr>
+        <a:xfrm>
+          <a:off x="0" y="0"/>
+          <a:ext cx="0" cy="0"/>
+          <a:chOff x="0" y="0"/>
+          <a:chExt cx="0" cy="0"/>
+        </a:xfrm>
+      </p:grpSpPr>
+      <p:sp>
+        <p:nvSpPr>
+          <p:cNvPr id="2" name="Título 1"/>
+          <p:cNvSpPr>
+            <a:spLocks noGrp="1"/>
+          </p:cNvSpPr>
+          <p:nvPr>
+            <p:ph type="title"/>
+          </p:nvPr>
+        </p:nvSpPr>
+        <p:spPr>
+          <a:xfrm>
+            <a:off x="581192" y="702156"/>
+            <a:ext cx="11029616" cy="1188720"/>
+          </a:xfrm>
+        </p:spPr>
+        <p:txBody>
+          <a:bodyPr/>
+          <a:lstStyle/>
+          <a:p>
+            <a:pPr lvl="0" marL="0" indent="0">
+              <a:buNone/>
+            </a:pPr>
+            <a:r>
+              <a:rPr/>
+              <a:t>Configuração</a:t>
+            </a:r>
+            <a:r>
+              <a:rPr/>
+              <a:t> </a:t>
+            </a:r>
+            <a:r>
+              <a:rPr/>
+              <a:t>do</a:t>
+            </a:r>
+            <a:r>
+              <a:rPr/>
+              <a:t> </a:t>
+            </a:r>
+            <a:r>
+              <a:rPr/>
+              <a:t>Github</a:t>
+            </a:r>
+            <a:r>
+              <a:rPr/>
+              <a:t> </a:t>
+            </a:r>
+            <a:r>
+              <a:rPr/>
+              <a:t>no</a:t>
+            </a:r>
+            <a:r>
+              <a:rPr/>
+              <a:t> </a:t>
+            </a:r>
+            <a:r>
+              <a:rPr/>
+              <a:t>Rstudio</a:t>
+            </a:r>
+            <a:r>
+              <a:rPr/>
+              <a:t> </a:t>
+            </a:r>
+            <a:r>
+              <a:rPr/>
+              <a:t>(5)</a:t>
+            </a:r>
+          </a:p>
+        </p:txBody>
+      </p:sp>
+      <p:sp>
+        <p:nvSpPr>
+          <p:cNvPr id="3" name="Espaço reservado para conteúdo 2"/>
+          <p:cNvSpPr>
+            <a:spLocks noGrp="1"/>
+          </p:cNvSpPr>
+          <p:nvPr>
+            <p:ph idx="1"/>
+          </p:nvPr>
+        </p:nvSpPr>
+        <p:spPr/>
+        <p:txBody>
+          <a:bodyPr/>
+          <a:lstStyle/>
+          <a:p>
+            <a:pPr lvl="0" marL="0" indent="0">
+              <a:buNone/>
+            </a:pPr>
+            <a:r>
+              <a:rPr/>
+              <a:t>Com o código do token e seu nome, vamos terminar a nossa configuração, com o comando abaixo:</a:t>
+            </a:r>
+          </a:p>
+          <a:p>
+            <a:pPr lvl="0" indent="0">
+              <a:buNone/>
+            </a:pPr>
+            <a:r>
+              <a:rPr i="1">
+                <a:solidFill>
+                  <a:srgbClr val="60A0B0"/>
+                </a:solidFill>
+                <a:latin typeface="Courier"/>
+              </a:rPr>
+              <a:t># credentials::set_github_pat("YourPAT")</a:t>
+            </a:r>
+          </a:p>
+          <a:p>
+            <a:pPr lvl="0" marL="0" indent="0">
+              <a:buNone/>
+            </a:pPr>
+            <a:r>
+              <a:rPr b="1"/>
+              <a:t>Onde “YourPAT” deve ser alterado para o nome do nosso token (novamente entre aspas o nome)</a:t>
+            </a:r>
+          </a:p>
+          <a:p>
+            <a:pPr lvl="1"/>
+            <a:r>
+              <a:rPr/>
+              <a:t>Será aberta uma janela no Rstudio pedindo o código do token (aquele criado no slide anterior);</a:t>
+            </a:r>
+          </a:p>
+          <a:p>
+            <a:pPr lvl="1"/>
+            <a:r>
+              <a:rPr/>
+              <a:t>Copiar o código nessa janela e apertar enter</a:t>
+            </a:r>
+          </a:p>
+          <a:p>
+            <a:pPr lvl="0" marL="0" indent="0">
+              <a:buNone/>
+            </a:pPr>
+            <a:r>
+              <a:rPr b="1"/>
+              <a:t>PRONTINHO!!! Terminamos de configurar o nosso Rstudio!!!</a:t>
+            </a:r>
+          </a:p>
+        </p:txBody>
+      </p:sp>
+    </p:spTree>
+  </p:cSld>
+</p:sld>
+</file>
+
+<file path=ppt/slides/slide13.xml><?xml version="1.0" encoding="utf-8"?>
+<p:sld xmlns:a="http://schemas.openxmlformats.org/drawingml/2006/main" xmlns:r="http://schemas.openxmlformats.org/officeDocument/2006/relationships" xmlns:p="http://schemas.openxmlformats.org/presentationml/2006/main">
+  <p:cSld>
+    <p:spTree>
+      <p:nvGrpSpPr>
+        <p:cNvPr id="1" name=""/>
+        <p:cNvGrpSpPr/>
+        <p:nvPr/>
+      </p:nvGrpSpPr>
+      <p:grpSpPr>
+        <a:xfrm>
+          <a:off x="0" y="0"/>
+          <a:ext cx="0" cy="0"/>
+          <a:chOff x="0" y="0"/>
+          <a:chExt cx="0" cy="0"/>
+        </a:xfrm>
+      </p:grpSpPr>
+      <p:sp>
+        <p:nvSpPr>
+          <p:cNvPr id="2" name="Título 1"/>
+          <p:cNvSpPr>
+            <a:spLocks noGrp="1"/>
+          </p:cNvSpPr>
+          <p:nvPr>
+            <p:ph type="title"/>
+          </p:nvPr>
+        </p:nvSpPr>
+        <p:spPr>
+          <a:xfrm>
+            <a:off x="581192" y="702156"/>
+            <a:ext cx="11029616" cy="1188720"/>
+          </a:xfrm>
+        </p:spPr>
+        <p:txBody>
+          <a:bodyPr/>
+          <a:lstStyle/>
+          <a:p>
+            <a:pPr lvl="0" marL="0" indent="0">
+              <a:buNone/>
+            </a:pPr>
+            <a:r>
+              <a:rPr/>
+              <a:t>Git</a:t>
+            </a:r>
+            <a:r>
+              <a:rPr/>
+              <a:t> </a:t>
+            </a:r>
+            <a:r>
+              <a:rPr/>
+              <a:t>Pane</a:t>
+            </a:r>
+          </a:p>
+        </p:txBody>
+      </p:sp>
+      <p:pic>
+        <p:nvPicPr>
+          <p:cNvPr descr="img/git_pane.png" id="0" name="Picture 1"/>
+          <p:cNvPicPr>
+            <a:picLocks noGrp="1" noChangeAspect="1"/>
+          </p:cNvPicPr>
+          <p:nvPr/>
+        </p:nvPicPr>
+        <p:blipFill>
+          <a:blip r:embed="rId2"/>
+          <a:stretch>
+            <a:fillRect/>
+          </a:stretch>
+        </p:blipFill>
+        <p:spPr bwMode="auto">
+          <a:xfrm>
+            <a:off x="2235200" y="2336800"/>
+            <a:ext cx="7696200" cy="3632200"/>
+          </a:xfrm>
+          <a:prstGeom prst="rect">
+            <a:avLst/>
+          </a:prstGeom>
+          <a:noFill/>
+          <a:ln w="9525">
+            <a:noFill/>
+            <a:headEnd/>
+            <a:tailEnd/>
+          </a:ln>
+        </p:spPr>
+      </p:pic>
+    </p:spTree>
+  </p:cSld>
+</p:sld>
+</file>
+
+<file path=ppt/slides/slide14.xml><?xml version="1.0" encoding="utf-8"?>
+<p:sld xmlns:a="http://schemas.openxmlformats.org/drawingml/2006/main" xmlns:r="http://schemas.openxmlformats.org/officeDocument/2006/relationships" xmlns:p="http://schemas.openxmlformats.org/presentationml/2006/main">
+  <p:cSld>
+    <p:spTree>
+      <p:nvGrpSpPr>
+        <p:cNvPr id="1" name=""/>
+        <p:cNvGrpSpPr/>
+        <p:nvPr/>
+      </p:nvGrpSpPr>
+      <p:grpSpPr>
+        <a:xfrm>
+          <a:off x="0" y="0"/>
+          <a:ext cx="0" cy="0"/>
+          <a:chOff x="0" y="0"/>
+          <a:chExt cx="0" cy="0"/>
+        </a:xfrm>
+      </p:grpSpPr>
+      <p:sp>
+        <p:nvSpPr>
+          <p:cNvPr id="2" name="Título 1"/>
+          <p:cNvSpPr>
+            <a:spLocks noGrp="1"/>
+          </p:cNvSpPr>
+          <p:nvPr>
+            <p:ph type="title"/>
+          </p:nvPr>
+        </p:nvSpPr>
+        <p:spPr>
+          <a:xfrm>
+            <a:off x="581192" y="702156"/>
+            <a:ext cx="11029616" cy="1188720"/>
+          </a:xfrm>
+        </p:spPr>
+        <p:txBody>
+          <a:bodyPr/>
+          <a:lstStyle/>
+          <a:p>
+            <a:pPr lvl="0" marL="0" indent="0">
+              <a:buNone/>
+            </a:pPr>
+            <a:r>
+              <a:rPr/>
+              <a:t>Git</a:t>
+            </a:r>
+            <a:r>
+              <a:rPr/>
+              <a:t> </a:t>
+            </a:r>
+            <a:r>
+              <a:rPr/>
+              <a:t>Status</a:t>
+            </a:r>
+          </a:p>
+        </p:txBody>
+      </p:sp>
+      <p:pic>
+        <p:nvPicPr>
+          <p:cNvPr descr="img/git_commit.png" id="0" name="Picture 1"/>
+          <p:cNvPicPr>
+            <a:picLocks noGrp="1" noChangeAspect="1"/>
+          </p:cNvPicPr>
+          <p:nvPr/>
+        </p:nvPicPr>
+        <p:blipFill>
+          <a:blip r:embed="rId2"/>
+          <a:stretch>
+            <a:fillRect/>
+          </a:stretch>
+        </p:blipFill>
+        <p:spPr bwMode="auto">
+          <a:xfrm>
+            <a:off x="2806700" y="2336800"/>
+            <a:ext cx="6553200" cy="3632200"/>
+          </a:xfrm>
+          <a:prstGeom prst="rect">
+            <a:avLst/>
+          </a:prstGeom>
+          <a:noFill/>
+          <a:ln w="9525">
+            <a:noFill/>
+            <a:headEnd/>
+            <a:tailEnd/>
+          </a:ln>
+        </p:spPr>
+      </p:pic>
     </p:spTree>
   </p:cSld>
 </p:sld>
@@ -4461,7 +4910,7 @@
             </a:pPr>
             <a:r>
               <a:rPr/>
-              <a:t>Git</a:t>
+              <a:t>Configuração</a:t>
             </a:r>
             <a:r>
               <a:rPr/>
@@ -4469,41 +4918,79 @@
             </a:r>
             <a:r>
               <a:rPr/>
-              <a:t>Pane</a:t>
-            </a:r>
-          </a:p>
-        </p:txBody>
-      </p:sp>
-      <p:pic>
-        <p:nvPicPr>
-          <p:cNvPr descr="img/git_pane.png" id="0" name="Picture 1"/>
-          <p:cNvPicPr>
-            <a:picLocks noGrp="1" noChangeAspect="1"/>
-          </p:cNvPicPr>
-          <p:nvPr/>
-        </p:nvPicPr>
-        <p:blipFill>
-          <a:blip r:embed="rId2"/>
-          <a:stretch>
-            <a:fillRect/>
-          </a:stretch>
-        </p:blipFill>
-        <p:spPr bwMode="auto">
-          <a:xfrm>
-            <a:off x="2235200" y="2336800"/>
-            <a:ext cx="7696200" cy="3632200"/>
-          </a:xfrm>
-          <a:prstGeom prst="rect">
-            <a:avLst/>
-          </a:prstGeom>
-          <a:noFill/>
-          <a:ln w="9525">
-            <a:noFill/>
-            <a:headEnd/>
-            <a:tailEnd/>
-          </a:ln>
-        </p:spPr>
-      </p:pic>
+              <a:t>do</a:t>
+            </a:r>
+            <a:r>
+              <a:rPr/>
+              <a:t> </a:t>
+            </a:r>
+            <a:r>
+              <a:rPr/>
+              <a:t>Github</a:t>
+            </a:r>
+            <a:r>
+              <a:rPr/>
+              <a:t> </a:t>
+            </a:r>
+            <a:r>
+              <a:rPr/>
+              <a:t>no</a:t>
+            </a:r>
+            <a:r>
+              <a:rPr/>
+              <a:t> </a:t>
+            </a:r>
+            <a:r>
+              <a:rPr/>
+              <a:t>Rstudio</a:t>
+            </a:r>
+            <a:r>
+              <a:rPr/>
+              <a:t> </a:t>
+            </a:r>
+            <a:r>
+              <a:rPr/>
+              <a:t>(1)</a:t>
+            </a:r>
+          </a:p>
+        </p:txBody>
+      </p:sp>
+      <p:sp>
+        <p:nvSpPr>
+          <p:cNvPr id="3" name="Espaço reservado para conteúdo 2"/>
+          <p:cNvSpPr>
+            <a:spLocks noGrp="1"/>
+          </p:cNvSpPr>
+          <p:nvPr>
+            <p:ph idx="1"/>
+          </p:nvPr>
+        </p:nvSpPr>
+        <p:spPr/>
+        <p:txBody>
+          <a:bodyPr/>
+          <a:lstStyle/>
+          <a:p>
+            <a:pPr lvl="0" marL="0" indent="0">
+              <a:buNone/>
+            </a:pPr>
+            <a:r>
+              <a:rPr/>
+              <a:t>Para a configuração da conta pessoal do Github no Rstudio, vamos usar o link abaixo, o qual possui um script para tal.</a:t>
+            </a:r>
+          </a:p>
+          <a:p>
+            <a:pPr lvl="0" marL="0" indent="0">
+              <a:buNone/>
+            </a:pPr>
+            <a:r>
+              <a:rPr>
+                <a:hlinkClick r:id="rId2"/>
+              </a:rPr>
+              <a:t>https://github.com/dgi-workshops/github</a:t>
+            </a:r>
+          </a:p>
+        </p:txBody>
+      </p:sp>
     </p:spTree>
   </p:cSld>
 </p:sld>
@@ -4551,7 +5038,7 @@
             </a:pPr>
             <a:r>
               <a:rPr/>
-              <a:t>Git</a:t>
+              <a:t>Configuração</a:t>
             </a:r>
             <a:r>
               <a:rPr/>
@@ -4559,41 +5046,381 @@
             </a:r>
             <a:r>
               <a:rPr/>
-              <a:t>Status</a:t>
-            </a:r>
-          </a:p>
-        </p:txBody>
-      </p:sp>
-      <p:pic>
-        <p:nvPicPr>
-          <p:cNvPr descr="img/git_commit.png" id="0" name="Picture 1"/>
-          <p:cNvPicPr>
-            <a:picLocks noGrp="1" noChangeAspect="1"/>
-          </p:cNvPicPr>
-          <p:nvPr/>
-        </p:nvPicPr>
-        <p:blipFill>
-          <a:blip r:embed="rId2"/>
-          <a:stretch>
-            <a:fillRect/>
-          </a:stretch>
-        </p:blipFill>
-        <p:spPr bwMode="auto">
-          <a:xfrm>
-            <a:off x="2806700" y="2336800"/>
-            <a:ext cx="6553200" cy="3632200"/>
-          </a:xfrm>
-          <a:prstGeom prst="rect">
-            <a:avLst/>
-          </a:prstGeom>
-          <a:noFill/>
-          <a:ln w="9525">
-            <a:noFill/>
-            <a:headEnd/>
-            <a:tailEnd/>
-          </a:ln>
-        </p:spPr>
-      </p:pic>
+              <a:t>do</a:t>
+            </a:r>
+            <a:r>
+              <a:rPr/>
+              <a:t> </a:t>
+            </a:r>
+            <a:r>
+              <a:rPr/>
+              <a:t>Github</a:t>
+            </a:r>
+            <a:r>
+              <a:rPr/>
+              <a:t> </a:t>
+            </a:r>
+            <a:r>
+              <a:rPr/>
+              <a:t>no</a:t>
+            </a:r>
+            <a:r>
+              <a:rPr/>
+              <a:t> </a:t>
+            </a:r>
+            <a:r>
+              <a:rPr/>
+              <a:t>Rstudio</a:t>
+            </a:r>
+            <a:r>
+              <a:rPr/>
+              <a:t> </a:t>
+            </a:r>
+            <a:r>
+              <a:rPr/>
+              <a:t>(2)</a:t>
+            </a:r>
+          </a:p>
+        </p:txBody>
+      </p:sp>
+      <p:sp>
+        <p:nvSpPr>
+          <p:cNvPr id="3" name="Espaço reservado para conteúdo 2"/>
+          <p:cNvSpPr>
+            <a:spLocks noGrp="1"/>
+          </p:cNvSpPr>
+          <p:nvPr>
+            <p:ph idx="1"/>
+          </p:nvPr>
+        </p:nvSpPr>
+        <p:spPr/>
+        <p:txBody>
+          <a:bodyPr/>
+          <a:lstStyle/>
+          <a:p>
+            <a:pPr lvl="0" marL="0" indent="0">
+              <a:buNone/>
+            </a:pPr>
+            <a:r>
+              <a:rPr/>
+              <a:t>Com o seu usuário e e-mail alterar o comando abaixo, o qual usaremos no R.</a:t>
+            </a:r>
+          </a:p>
+          <a:p>
+            <a:pPr lvl="1"/>
+            <a:r>
+              <a:rPr/>
+              <a:t>Alterar “YourName” pelo seu nome de usuário (não esquecer de deixa-lo entre aspas).</a:t>
+            </a:r>
+          </a:p>
+          <a:p>
+            <a:pPr lvl="1"/>
+            <a:r>
+              <a:rPr/>
+              <a:t>Alterar “</a:t>
+            </a:r>
+            <a:r>
+              <a:rPr>
+                <a:hlinkClick r:id="rId2"/>
+              </a:rPr>
+              <a:t>your@mail.com</a:t>
+            </a:r>
+            <a:r>
+              <a:rPr/>
+              <a:t>” pelo e-mail usado no cadastramento da conta do Github (não esquecer de deixá-lo entre aspas).</a:t>
+            </a:r>
+          </a:p>
+          <a:p>
+            <a:pPr lvl="0" indent="0">
+              <a:buNone/>
+            </a:pPr>
+            <a:r>
+              <a:rPr i="1">
+                <a:solidFill>
+                  <a:srgbClr val="60A0B0"/>
+                </a:solidFill>
+                <a:latin typeface="Courier"/>
+              </a:rPr>
+              <a:t># usethis::use_git_config(user.name = "YourName", user.email = "your@mail.com")</a:t>
+            </a:r>
+          </a:p>
+        </p:txBody>
+      </p:sp>
+    </p:spTree>
+  </p:cSld>
+</p:sld>
+</file>
+
+<file path=ppt/slides/slide8.xml><?xml version="1.0" encoding="utf-8"?>
+<p:sld xmlns:a="http://schemas.openxmlformats.org/drawingml/2006/main" xmlns:r="http://schemas.openxmlformats.org/officeDocument/2006/relationships" xmlns:p="http://schemas.openxmlformats.org/presentationml/2006/main">
+  <p:cSld>
+    <p:spTree>
+      <p:nvGrpSpPr>
+        <p:cNvPr id="1" name=""/>
+        <p:cNvGrpSpPr/>
+        <p:nvPr/>
+      </p:nvGrpSpPr>
+      <p:grpSpPr>
+        <a:xfrm>
+          <a:off x="0" y="0"/>
+          <a:ext cx="0" cy="0"/>
+          <a:chOff x="0" y="0"/>
+          <a:chExt cx="0" cy="0"/>
+        </a:xfrm>
+      </p:grpSpPr>
+      <p:sp>
+        <p:nvSpPr>
+          <p:cNvPr id="2" name="Título 1"/>
+          <p:cNvSpPr>
+            <a:spLocks noGrp="1"/>
+          </p:cNvSpPr>
+          <p:nvPr>
+            <p:ph type="title"/>
+          </p:nvPr>
+        </p:nvSpPr>
+        <p:spPr>
+          <a:xfrm>
+            <a:off x="581192" y="702156"/>
+            <a:ext cx="11029616" cy="1188720"/>
+          </a:xfrm>
+        </p:spPr>
+        <p:txBody>
+          <a:bodyPr/>
+          <a:lstStyle/>
+          <a:p>
+            <a:pPr lvl="0" marL="0" indent="0">
+              <a:buNone/>
+            </a:pPr>
+            <a:r>
+              <a:rPr/>
+              <a:t>Configuração</a:t>
+            </a:r>
+            <a:r>
+              <a:rPr/>
+              <a:t> </a:t>
+            </a:r>
+            <a:r>
+              <a:rPr/>
+              <a:t>do</a:t>
+            </a:r>
+            <a:r>
+              <a:rPr/>
+              <a:t> </a:t>
+            </a:r>
+            <a:r>
+              <a:rPr/>
+              <a:t>Github</a:t>
+            </a:r>
+            <a:r>
+              <a:rPr/>
+              <a:t> </a:t>
+            </a:r>
+            <a:r>
+              <a:rPr/>
+              <a:t>no</a:t>
+            </a:r>
+            <a:r>
+              <a:rPr/>
+              <a:t> </a:t>
+            </a:r>
+            <a:r>
+              <a:rPr/>
+              <a:t>Rstudio</a:t>
+            </a:r>
+            <a:r>
+              <a:rPr/>
+              <a:t> </a:t>
+            </a:r>
+            <a:r>
+              <a:rPr/>
+              <a:t>(3)</a:t>
+            </a:r>
+          </a:p>
+        </p:txBody>
+      </p:sp>
+      <p:sp>
+        <p:nvSpPr>
+          <p:cNvPr id="3" name="Espaço reservado para conteúdo 2"/>
+          <p:cNvSpPr>
+            <a:spLocks noGrp="1"/>
+          </p:cNvSpPr>
+          <p:nvPr>
+            <p:ph idx="1"/>
+          </p:nvPr>
+        </p:nvSpPr>
+        <p:spPr/>
+        <p:txBody>
+          <a:bodyPr/>
+          <a:lstStyle/>
+          <a:p>
+            <a:pPr lvl="0" marL="0" indent="0">
+              <a:buNone/>
+            </a:pPr>
+            <a:r>
+              <a:rPr/>
+              <a:t>Passar o comando abaixo no R, para assim gerarmos um token de acesso para o Rstudio.</a:t>
+            </a:r>
+          </a:p>
+          <a:p>
+            <a:pPr lvl="0" indent="0">
+              <a:buNone/>
+            </a:pPr>
+            <a:r>
+              <a:rPr i="1">
+                <a:solidFill>
+                  <a:srgbClr val="60A0B0"/>
+                </a:solidFill>
+                <a:latin typeface="Courier"/>
+              </a:rPr>
+              <a:t># usethis::create_github_token()</a:t>
+            </a:r>
+          </a:p>
+          <a:p>
+            <a:pPr lvl="0" marL="0" indent="0">
+              <a:buNone/>
+            </a:pPr>
+            <a:r>
+              <a:rPr/>
+              <a:t>Irá ser aberto uma janela nova no navegador para criação do nosso token</a:t>
+            </a:r>
+          </a:p>
+          <a:p>
+            <a:pPr lvl="0" marL="0" indent="0">
+              <a:buNone/>
+            </a:pPr>
+          </a:p>
+        </p:txBody>
+      </p:sp>
+    </p:spTree>
+  </p:cSld>
+</p:sld>
+</file>
+
+<file path=ppt/slides/slide9.xml><?xml version="1.0" encoding="utf-8"?>
+<p:sld xmlns:a="http://schemas.openxmlformats.org/drawingml/2006/main" xmlns:r="http://schemas.openxmlformats.org/officeDocument/2006/relationships" xmlns:p="http://schemas.openxmlformats.org/presentationml/2006/main">
+  <p:cSld>
+    <p:spTree>
+      <p:nvGrpSpPr>
+        <p:cNvPr id="1" name=""/>
+        <p:cNvGrpSpPr/>
+        <p:nvPr/>
+      </p:nvGrpSpPr>
+      <p:grpSpPr>
+        <a:xfrm>
+          <a:off x="0" y="0"/>
+          <a:ext cx="0" cy="0"/>
+          <a:chOff x="0" y="0"/>
+          <a:chExt cx="0" cy="0"/>
+        </a:xfrm>
+      </p:grpSpPr>
+      <p:sp>
+        <p:nvSpPr>
+          <p:cNvPr id="2" name="Título 1"/>
+          <p:cNvSpPr>
+            <a:spLocks noGrp="1"/>
+          </p:cNvSpPr>
+          <p:nvPr>
+            <p:ph type="title"/>
+          </p:nvPr>
+        </p:nvSpPr>
+        <p:spPr>
+          <a:xfrm>
+            <a:off x="581192" y="702156"/>
+            <a:ext cx="11029616" cy="1188720"/>
+          </a:xfrm>
+        </p:spPr>
+        <p:txBody>
+          <a:bodyPr/>
+          <a:lstStyle/>
+          <a:p>
+            <a:pPr lvl="0" marL="0" indent="0">
+              <a:buNone/>
+            </a:pPr>
+            <a:r>
+              <a:rPr/>
+              <a:t>Configuração</a:t>
+            </a:r>
+            <a:r>
+              <a:rPr/>
+              <a:t> </a:t>
+            </a:r>
+            <a:r>
+              <a:rPr/>
+              <a:t>do</a:t>
+            </a:r>
+            <a:r>
+              <a:rPr/>
+              <a:t> </a:t>
+            </a:r>
+            <a:r>
+              <a:rPr/>
+              <a:t>Github</a:t>
+            </a:r>
+            <a:r>
+              <a:rPr/>
+              <a:t> </a:t>
+            </a:r>
+            <a:r>
+              <a:rPr/>
+              <a:t>no</a:t>
+            </a:r>
+            <a:r>
+              <a:rPr/>
+              <a:t> </a:t>
+            </a:r>
+            <a:r>
+              <a:rPr/>
+              <a:t>Rstudio</a:t>
+            </a:r>
+            <a:r>
+              <a:rPr/>
+              <a:t> </a:t>
+            </a:r>
+            <a:r>
+              <a:rPr/>
+              <a:t>(4)</a:t>
+            </a:r>
+          </a:p>
+        </p:txBody>
+      </p:sp>
+      <p:sp>
+        <p:nvSpPr>
+          <p:cNvPr id="3" name="Espaço reservado para conteúdo 2"/>
+          <p:cNvSpPr>
+            <a:spLocks noGrp="1"/>
+          </p:cNvSpPr>
+          <p:nvPr>
+            <p:ph idx="1"/>
+          </p:nvPr>
+        </p:nvSpPr>
+        <p:spPr/>
+        <p:txBody>
+          <a:bodyPr/>
+          <a:lstStyle/>
+          <a:p>
+            <a:pPr lvl="0" marL="0" indent="0">
+              <a:buNone/>
+            </a:pPr>
+            <a:r>
+              <a:rPr/>
+              <a:t>Ainda no github ao selecionarmos </a:t>
+            </a:r>
+            <a:r>
+              <a:rPr b="1"/>
+              <a:t>GENERATE TOKEN</a:t>
+            </a:r>
+          </a:p>
+          <a:p>
+            <a:pPr lvl="0" marL="0" indent="0">
+              <a:buNone/>
+            </a:pPr>
+            <a:r>
+              <a:rPr/>
+              <a:t>Será apresentada a seguinte tela, com o código do nosso token.</a:t>
+            </a:r>
+          </a:p>
+        </p:txBody>
+      </p:sp>
     </p:spTree>
   </p:cSld>
 </p:sld>
